--- a/tedxamstelveen-2019.pptx
+++ b/tedxamstelveen-2019.pptx
@@ -5,15 +5,17 @@
     <p:sldMasterId id="2147483684" r:id="rId1"/>
   </p:sldMasterIdLst>
   <p:notesMasterIdLst>
-    <p:notesMasterId r:id="rId5"/>
+    <p:notesMasterId r:id="rId7"/>
   </p:notesMasterIdLst>
   <p:handoutMasterIdLst>
-    <p:handoutMasterId r:id="rId6"/>
+    <p:handoutMasterId r:id="rId8"/>
   </p:handoutMasterIdLst>
   <p:sldIdLst>
-    <p:sldId id="256" r:id="rId2"/>
-    <p:sldId id="259" r:id="rId3"/>
-    <p:sldId id="260" r:id="rId4"/>
+    <p:sldId id="260" r:id="rId2"/>
+    <p:sldId id="262" r:id="rId3"/>
+    <p:sldId id="263" r:id="rId4"/>
+    <p:sldId id="264" r:id="rId5"/>
+    <p:sldId id="261" r:id="rId6"/>
   </p:sldIdLst>
   <p:sldSz cx="12192000" cy="6858000"/>
   <p:notesSz cx="6858000" cy="9144000"/>
@@ -202,7 +204,7 @@
           <a:p>
             <a:fld id="{15E150AF-FB20-7549-8EBD-91871A75589D}" type="datetimeFigureOut">
               <a:rPr lang="en-US" smtClean="0"/>
-              <a:t>1/19/19</a:t>
+              <a:t>2/6/19</a:t>
             </a:fld>
             <a:endParaRPr lang="en-US"/>
           </a:p>
@@ -367,7 +369,7 @@
           <a:p>
             <a:fld id="{38B8A568-4DDB-4D44-8804-F2D344CBA7D9}" type="datetimeFigureOut">
               <a:rPr lang="en-US" smtClean="0"/>
-              <a:t>1/19/19</a:t>
+              <a:t>2/6/19</a:t>
             </a:fld>
             <a:endParaRPr lang="en-US"/>
           </a:p>
@@ -632,6 +634,621 @@
     </a:lvl9pPr>
   </p:notesStyle>
 </p:notesMaster>
+</file>
+
+<file path=ppt/notesSlides/notesSlide1.xml><?xml version="1.0" encoding="utf-8"?>
+<p:notes xmlns:a="http://schemas.openxmlformats.org/drawingml/2006/main" xmlns:r="http://schemas.openxmlformats.org/officeDocument/2006/relationships" xmlns:p="http://schemas.openxmlformats.org/presentationml/2006/main">
+  <p:cSld>
+    <p:spTree>
+      <p:nvGrpSpPr>
+        <p:cNvPr id="1" name=""/>
+        <p:cNvGrpSpPr/>
+        <p:nvPr/>
+      </p:nvGrpSpPr>
+      <p:grpSpPr>
+        <a:xfrm>
+          <a:off x="0" y="0"/>
+          <a:ext cx="0" cy="0"/>
+          <a:chOff x="0" y="0"/>
+          <a:chExt cx="0" cy="0"/>
+        </a:xfrm>
+      </p:grpSpPr>
+      <p:sp>
+        <p:nvSpPr>
+          <p:cNvPr id="2" name="Slide Image Placeholder 1"/>
+          <p:cNvSpPr>
+            <a:spLocks noGrp="1" noRot="1" noChangeAspect="1"/>
+          </p:cNvSpPr>
+          <p:nvPr>
+            <p:ph type="sldImg"/>
+          </p:nvPr>
+        </p:nvSpPr>
+        <p:spPr/>
+      </p:sp>
+      <p:sp>
+        <p:nvSpPr>
+          <p:cNvPr id="3" name="Notes Placeholder 2"/>
+          <p:cNvSpPr>
+            <a:spLocks noGrp="1"/>
+          </p:cNvSpPr>
+          <p:nvPr>
+            <p:ph type="body" idx="1"/>
+          </p:nvPr>
+        </p:nvSpPr>
+        <p:spPr/>
+        <p:txBody>
+          <a:bodyPr/>
+          <a:lstStyle/>
+          <a:p>
+            <a:r>
+              <a:rPr lang="en-US"/>
+              <a:t>Opmerking:</a:t>
+            </a:r>
+          </a:p>
+          <a:p>
+            <a:endParaRPr lang="en-US"/>
+          </a:p>
+          <a:p>
+            <a:r>
+              <a:rPr lang="en-US"/>
+              <a:t>Deze slide gebruiken als title, photos, video of dergelijke.</a:t>
+            </a:r>
+          </a:p>
+          <a:p>
+            <a:endParaRPr lang="en-US"/>
+          </a:p>
+          <a:p>
+            <a:r>
+              <a:rPr lang="en-US"/>
+              <a:t>AUB gecomprimeerde fotos gebruiken</a:t>
+            </a:r>
+          </a:p>
+          <a:p>
+            <a:endParaRPr lang="en-US"/>
+          </a:p>
+          <a:p>
+            <a:r>
+              <a:rPr lang="en-US"/>
+              <a:t>Indien video test of deze automatisch start</a:t>
+            </a:r>
+          </a:p>
+          <a:p>
+            <a:endParaRPr lang="en-US"/>
+          </a:p>
+          <a:p>
+            <a:r>
+              <a:rPr lang="en-US"/>
+              <a:t>Indien vragen mail ray@tedxamstelveen.com</a:t>
+            </a:r>
+          </a:p>
+        </p:txBody>
+      </p:sp>
+      <p:sp>
+        <p:nvSpPr>
+          <p:cNvPr id="4" name="Slide Number Placeholder 3"/>
+          <p:cNvSpPr>
+            <a:spLocks noGrp="1"/>
+          </p:cNvSpPr>
+          <p:nvPr>
+            <p:ph type="sldNum" sz="quarter" idx="5"/>
+          </p:nvPr>
+        </p:nvSpPr>
+        <p:spPr/>
+        <p:txBody>
+          <a:bodyPr/>
+          <a:lstStyle/>
+          <a:p>
+            <a:fld id="{E0FBD6F4-CD9B-584A-A34E-649C473A2777}" type="slidenum">
+              <a:rPr lang="en-US" smtClean="0"/>
+              <a:t>1</a:t>
+            </a:fld>
+            <a:endParaRPr lang="en-US"/>
+          </a:p>
+        </p:txBody>
+      </p:sp>
+    </p:spTree>
+    <p:extLst>
+      <p:ext uri="{BB962C8B-B14F-4D97-AF65-F5344CB8AC3E}">
+        <p14:creationId xmlns:p14="http://schemas.microsoft.com/office/powerpoint/2010/main" val="3832553799"/>
+      </p:ext>
+    </p:extLst>
+  </p:cSld>
+  <p:clrMapOvr>
+    <a:masterClrMapping/>
+  </p:clrMapOvr>
+</p:notes>
+</file>
+
+<file path=ppt/notesSlides/notesSlide2.xml><?xml version="1.0" encoding="utf-8"?>
+<p:notes xmlns:a="http://schemas.openxmlformats.org/drawingml/2006/main" xmlns:r="http://schemas.openxmlformats.org/officeDocument/2006/relationships" xmlns:p="http://schemas.openxmlformats.org/presentationml/2006/main">
+  <p:cSld>
+    <p:spTree>
+      <p:nvGrpSpPr>
+        <p:cNvPr id="1" name=""/>
+        <p:cNvGrpSpPr/>
+        <p:nvPr/>
+      </p:nvGrpSpPr>
+      <p:grpSpPr>
+        <a:xfrm>
+          <a:off x="0" y="0"/>
+          <a:ext cx="0" cy="0"/>
+          <a:chOff x="0" y="0"/>
+          <a:chExt cx="0" cy="0"/>
+        </a:xfrm>
+      </p:grpSpPr>
+      <p:sp>
+        <p:nvSpPr>
+          <p:cNvPr id="2" name="Slide Image Placeholder 1"/>
+          <p:cNvSpPr>
+            <a:spLocks noGrp="1" noRot="1" noChangeAspect="1"/>
+          </p:cNvSpPr>
+          <p:nvPr>
+            <p:ph type="sldImg"/>
+          </p:nvPr>
+        </p:nvSpPr>
+        <p:spPr/>
+      </p:sp>
+      <p:sp>
+        <p:nvSpPr>
+          <p:cNvPr id="3" name="Notes Placeholder 2"/>
+          <p:cNvSpPr>
+            <a:spLocks noGrp="1"/>
+          </p:cNvSpPr>
+          <p:nvPr>
+            <p:ph type="body" idx="1"/>
+          </p:nvPr>
+        </p:nvSpPr>
+        <p:spPr/>
+        <p:txBody>
+          <a:bodyPr/>
+          <a:lstStyle/>
+          <a:p>
+            <a:r>
+              <a:rPr lang="en-US"/>
+              <a:t>Opmerking:</a:t>
+            </a:r>
+          </a:p>
+          <a:p>
+            <a:endParaRPr lang="en-US"/>
+          </a:p>
+          <a:p>
+            <a:r>
+              <a:rPr lang="en-US"/>
+              <a:t>Deze slide gebruiken als title, photos, video of dergelijke.</a:t>
+            </a:r>
+          </a:p>
+          <a:p>
+            <a:endParaRPr lang="en-US"/>
+          </a:p>
+          <a:p>
+            <a:r>
+              <a:rPr lang="en-US"/>
+              <a:t>AUB gecomprimeerde fotos gebruiken</a:t>
+            </a:r>
+          </a:p>
+          <a:p>
+            <a:endParaRPr lang="en-US"/>
+          </a:p>
+          <a:p>
+            <a:r>
+              <a:rPr lang="en-US"/>
+              <a:t>Indien video test of deze automatisch start</a:t>
+            </a:r>
+          </a:p>
+          <a:p>
+            <a:endParaRPr lang="en-US"/>
+          </a:p>
+          <a:p>
+            <a:r>
+              <a:rPr lang="en-US"/>
+              <a:t>Indien vragen mail ray@tedxamstelveen.com</a:t>
+            </a:r>
+          </a:p>
+        </p:txBody>
+      </p:sp>
+      <p:sp>
+        <p:nvSpPr>
+          <p:cNvPr id="4" name="Slide Number Placeholder 3"/>
+          <p:cNvSpPr>
+            <a:spLocks noGrp="1"/>
+          </p:cNvSpPr>
+          <p:nvPr>
+            <p:ph type="sldNum" sz="quarter" idx="5"/>
+          </p:nvPr>
+        </p:nvSpPr>
+        <p:spPr/>
+        <p:txBody>
+          <a:bodyPr/>
+          <a:lstStyle/>
+          <a:p>
+            <a:fld id="{E0FBD6F4-CD9B-584A-A34E-649C473A2777}" type="slidenum">
+              <a:rPr lang="en-US" smtClean="0"/>
+              <a:t>2</a:t>
+            </a:fld>
+            <a:endParaRPr lang="en-US"/>
+          </a:p>
+        </p:txBody>
+      </p:sp>
+    </p:spTree>
+    <p:extLst>
+      <p:ext uri="{BB962C8B-B14F-4D97-AF65-F5344CB8AC3E}">
+        <p14:creationId xmlns:p14="http://schemas.microsoft.com/office/powerpoint/2010/main" val="2035498675"/>
+      </p:ext>
+    </p:extLst>
+  </p:cSld>
+  <p:clrMapOvr>
+    <a:masterClrMapping/>
+  </p:clrMapOvr>
+</p:notes>
+</file>
+
+<file path=ppt/notesSlides/notesSlide3.xml><?xml version="1.0" encoding="utf-8"?>
+<p:notes xmlns:a="http://schemas.openxmlformats.org/drawingml/2006/main" xmlns:r="http://schemas.openxmlformats.org/officeDocument/2006/relationships" xmlns:p="http://schemas.openxmlformats.org/presentationml/2006/main">
+  <p:cSld>
+    <p:spTree>
+      <p:nvGrpSpPr>
+        <p:cNvPr id="1" name=""/>
+        <p:cNvGrpSpPr/>
+        <p:nvPr/>
+      </p:nvGrpSpPr>
+      <p:grpSpPr>
+        <a:xfrm>
+          <a:off x="0" y="0"/>
+          <a:ext cx="0" cy="0"/>
+          <a:chOff x="0" y="0"/>
+          <a:chExt cx="0" cy="0"/>
+        </a:xfrm>
+      </p:grpSpPr>
+      <p:sp>
+        <p:nvSpPr>
+          <p:cNvPr id="2" name="Slide Image Placeholder 1"/>
+          <p:cNvSpPr>
+            <a:spLocks noGrp="1" noRot="1" noChangeAspect="1"/>
+          </p:cNvSpPr>
+          <p:nvPr>
+            <p:ph type="sldImg"/>
+          </p:nvPr>
+        </p:nvSpPr>
+        <p:spPr/>
+      </p:sp>
+      <p:sp>
+        <p:nvSpPr>
+          <p:cNvPr id="3" name="Notes Placeholder 2"/>
+          <p:cNvSpPr>
+            <a:spLocks noGrp="1"/>
+          </p:cNvSpPr>
+          <p:nvPr>
+            <p:ph type="body" idx="1"/>
+          </p:nvPr>
+        </p:nvSpPr>
+        <p:spPr/>
+        <p:txBody>
+          <a:bodyPr/>
+          <a:lstStyle/>
+          <a:p>
+            <a:r>
+              <a:rPr lang="en-US"/>
+              <a:t>Opmerking:</a:t>
+            </a:r>
+          </a:p>
+          <a:p>
+            <a:endParaRPr lang="en-US"/>
+          </a:p>
+          <a:p>
+            <a:r>
+              <a:rPr lang="en-US"/>
+              <a:t>Deze slide gebruiken als title, photos, video of dergelijke.</a:t>
+            </a:r>
+          </a:p>
+          <a:p>
+            <a:endParaRPr lang="en-US"/>
+          </a:p>
+          <a:p>
+            <a:r>
+              <a:rPr lang="en-US"/>
+              <a:t>AUB gecomprimeerde fotos gebruiken</a:t>
+            </a:r>
+          </a:p>
+          <a:p>
+            <a:endParaRPr lang="en-US"/>
+          </a:p>
+          <a:p>
+            <a:r>
+              <a:rPr lang="en-US"/>
+              <a:t>Indien video test of deze automatisch start</a:t>
+            </a:r>
+          </a:p>
+          <a:p>
+            <a:endParaRPr lang="en-US"/>
+          </a:p>
+          <a:p>
+            <a:r>
+              <a:rPr lang="en-US"/>
+              <a:t>Indien vragen mail ray@tedxamstelveen.com</a:t>
+            </a:r>
+          </a:p>
+        </p:txBody>
+      </p:sp>
+      <p:sp>
+        <p:nvSpPr>
+          <p:cNvPr id="4" name="Slide Number Placeholder 3"/>
+          <p:cNvSpPr>
+            <a:spLocks noGrp="1"/>
+          </p:cNvSpPr>
+          <p:nvPr>
+            <p:ph type="sldNum" sz="quarter" idx="5"/>
+          </p:nvPr>
+        </p:nvSpPr>
+        <p:spPr/>
+        <p:txBody>
+          <a:bodyPr/>
+          <a:lstStyle/>
+          <a:p>
+            <a:fld id="{E0FBD6F4-CD9B-584A-A34E-649C473A2777}" type="slidenum">
+              <a:rPr lang="en-US" smtClean="0"/>
+              <a:t>3</a:t>
+            </a:fld>
+            <a:endParaRPr lang="en-US"/>
+          </a:p>
+        </p:txBody>
+      </p:sp>
+    </p:spTree>
+    <p:extLst>
+      <p:ext uri="{BB962C8B-B14F-4D97-AF65-F5344CB8AC3E}">
+        <p14:creationId xmlns:p14="http://schemas.microsoft.com/office/powerpoint/2010/main" val="2138086878"/>
+      </p:ext>
+    </p:extLst>
+  </p:cSld>
+  <p:clrMapOvr>
+    <a:masterClrMapping/>
+  </p:clrMapOvr>
+</p:notes>
+</file>
+
+<file path=ppt/notesSlides/notesSlide4.xml><?xml version="1.0" encoding="utf-8"?>
+<p:notes xmlns:a="http://schemas.openxmlformats.org/drawingml/2006/main" xmlns:r="http://schemas.openxmlformats.org/officeDocument/2006/relationships" xmlns:p="http://schemas.openxmlformats.org/presentationml/2006/main">
+  <p:cSld>
+    <p:spTree>
+      <p:nvGrpSpPr>
+        <p:cNvPr id="1" name=""/>
+        <p:cNvGrpSpPr/>
+        <p:nvPr/>
+      </p:nvGrpSpPr>
+      <p:grpSpPr>
+        <a:xfrm>
+          <a:off x="0" y="0"/>
+          <a:ext cx="0" cy="0"/>
+          <a:chOff x="0" y="0"/>
+          <a:chExt cx="0" cy="0"/>
+        </a:xfrm>
+      </p:grpSpPr>
+      <p:sp>
+        <p:nvSpPr>
+          <p:cNvPr id="2" name="Slide Image Placeholder 1"/>
+          <p:cNvSpPr>
+            <a:spLocks noGrp="1" noRot="1" noChangeAspect="1"/>
+          </p:cNvSpPr>
+          <p:nvPr>
+            <p:ph type="sldImg"/>
+          </p:nvPr>
+        </p:nvSpPr>
+        <p:spPr/>
+      </p:sp>
+      <p:sp>
+        <p:nvSpPr>
+          <p:cNvPr id="3" name="Notes Placeholder 2"/>
+          <p:cNvSpPr>
+            <a:spLocks noGrp="1"/>
+          </p:cNvSpPr>
+          <p:nvPr>
+            <p:ph type="body" idx="1"/>
+          </p:nvPr>
+        </p:nvSpPr>
+        <p:spPr/>
+        <p:txBody>
+          <a:bodyPr/>
+          <a:lstStyle/>
+          <a:p>
+            <a:r>
+              <a:rPr lang="en-US"/>
+              <a:t>Opmerking:</a:t>
+            </a:r>
+          </a:p>
+          <a:p>
+            <a:endParaRPr lang="en-US"/>
+          </a:p>
+          <a:p>
+            <a:r>
+              <a:rPr lang="en-US"/>
+              <a:t>Deze slide gebruiken als title, photos, video of dergelijke.</a:t>
+            </a:r>
+          </a:p>
+          <a:p>
+            <a:endParaRPr lang="en-US"/>
+          </a:p>
+          <a:p>
+            <a:r>
+              <a:rPr lang="en-US"/>
+              <a:t>AUB gecomprimeerde fotos gebruiken</a:t>
+            </a:r>
+          </a:p>
+          <a:p>
+            <a:endParaRPr lang="en-US"/>
+          </a:p>
+          <a:p>
+            <a:r>
+              <a:rPr lang="en-US"/>
+              <a:t>Indien video test of deze automatisch start</a:t>
+            </a:r>
+          </a:p>
+          <a:p>
+            <a:endParaRPr lang="en-US"/>
+          </a:p>
+          <a:p>
+            <a:r>
+              <a:rPr lang="en-US"/>
+              <a:t>Indien vragen mail ray@tedxamstelveen.com</a:t>
+            </a:r>
+          </a:p>
+        </p:txBody>
+      </p:sp>
+      <p:sp>
+        <p:nvSpPr>
+          <p:cNvPr id="4" name="Slide Number Placeholder 3"/>
+          <p:cNvSpPr>
+            <a:spLocks noGrp="1"/>
+          </p:cNvSpPr>
+          <p:nvPr>
+            <p:ph type="sldNum" sz="quarter" idx="5"/>
+          </p:nvPr>
+        </p:nvSpPr>
+        <p:spPr/>
+        <p:txBody>
+          <a:bodyPr/>
+          <a:lstStyle/>
+          <a:p>
+            <a:fld id="{E0FBD6F4-CD9B-584A-A34E-649C473A2777}" type="slidenum">
+              <a:rPr lang="en-US" smtClean="0"/>
+              <a:t>4</a:t>
+            </a:fld>
+            <a:endParaRPr lang="en-US"/>
+          </a:p>
+        </p:txBody>
+      </p:sp>
+    </p:spTree>
+    <p:extLst>
+      <p:ext uri="{BB962C8B-B14F-4D97-AF65-F5344CB8AC3E}">
+        <p14:creationId xmlns:p14="http://schemas.microsoft.com/office/powerpoint/2010/main" val="1178188549"/>
+      </p:ext>
+    </p:extLst>
+  </p:cSld>
+  <p:clrMapOvr>
+    <a:masterClrMapping/>
+  </p:clrMapOvr>
+</p:notes>
+</file>
+
+<file path=ppt/notesSlides/notesSlide5.xml><?xml version="1.0" encoding="utf-8"?>
+<p:notes xmlns:a="http://schemas.openxmlformats.org/drawingml/2006/main" xmlns:r="http://schemas.openxmlformats.org/officeDocument/2006/relationships" xmlns:p="http://schemas.openxmlformats.org/presentationml/2006/main">
+  <p:cSld>
+    <p:spTree>
+      <p:nvGrpSpPr>
+        <p:cNvPr id="1" name=""/>
+        <p:cNvGrpSpPr/>
+        <p:nvPr/>
+      </p:nvGrpSpPr>
+      <p:grpSpPr>
+        <a:xfrm>
+          <a:off x="0" y="0"/>
+          <a:ext cx="0" cy="0"/>
+          <a:chOff x="0" y="0"/>
+          <a:chExt cx="0" cy="0"/>
+        </a:xfrm>
+      </p:grpSpPr>
+      <p:sp>
+        <p:nvSpPr>
+          <p:cNvPr id="2" name="Slide Image Placeholder 1"/>
+          <p:cNvSpPr>
+            <a:spLocks noGrp="1" noRot="1" noChangeAspect="1"/>
+          </p:cNvSpPr>
+          <p:nvPr>
+            <p:ph type="sldImg"/>
+          </p:nvPr>
+        </p:nvSpPr>
+        <p:spPr/>
+      </p:sp>
+      <p:sp>
+        <p:nvSpPr>
+          <p:cNvPr id="3" name="Notes Placeholder 2"/>
+          <p:cNvSpPr>
+            <a:spLocks noGrp="1"/>
+          </p:cNvSpPr>
+          <p:nvPr>
+            <p:ph type="body" idx="1"/>
+          </p:nvPr>
+        </p:nvSpPr>
+        <p:spPr/>
+        <p:txBody>
+          <a:bodyPr/>
+          <a:lstStyle/>
+          <a:p>
+            <a:r>
+              <a:rPr lang="en-US"/>
+              <a:t>Opmerking:</a:t>
+            </a:r>
+          </a:p>
+          <a:p>
+            <a:endParaRPr lang="en-US"/>
+          </a:p>
+          <a:p>
+            <a:r>
+              <a:rPr lang="en-US"/>
+              <a:t>Deze slide gebruiken als title, photos, video of dergelijke.</a:t>
+            </a:r>
+          </a:p>
+          <a:p>
+            <a:endParaRPr lang="en-US"/>
+          </a:p>
+          <a:p>
+            <a:r>
+              <a:rPr lang="en-US"/>
+              <a:t>AUB gecomprimeerde fotos gebruiken</a:t>
+            </a:r>
+          </a:p>
+          <a:p>
+            <a:endParaRPr lang="en-US"/>
+          </a:p>
+          <a:p>
+            <a:r>
+              <a:rPr lang="en-US"/>
+              <a:t>Indien video test of deze automatisch start</a:t>
+            </a:r>
+          </a:p>
+          <a:p>
+            <a:endParaRPr lang="en-US"/>
+          </a:p>
+          <a:p>
+            <a:r>
+              <a:rPr lang="en-US"/>
+              <a:t>Indien vragen mail ray@tedxamstelveen.com</a:t>
+            </a:r>
+          </a:p>
+        </p:txBody>
+      </p:sp>
+      <p:sp>
+        <p:nvSpPr>
+          <p:cNvPr id="4" name="Slide Number Placeholder 3"/>
+          <p:cNvSpPr>
+            <a:spLocks noGrp="1"/>
+          </p:cNvSpPr>
+          <p:nvPr>
+            <p:ph type="sldNum" sz="quarter" idx="5"/>
+          </p:nvPr>
+        </p:nvSpPr>
+        <p:spPr/>
+        <p:txBody>
+          <a:bodyPr/>
+          <a:lstStyle/>
+          <a:p>
+            <a:fld id="{E0FBD6F4-CD9B-584A-A34E-649C473A2777}" type="slidenum">
+              <a:rPr lang="en-US" smtClean="0"/>
+              <a:t>5</a:t>
+            </a:fld>
+            <a:endParaRPr lang="en-US"/>
+          </a:p>
+        </p:txBody>
+      </p:sp>
+    </p:spTree>
+    <p:extLst>
+      <p:ext uri="{BB962C8B-B14F-4D97-AF65-F5344CB8AC3E}">
+        <p14:creationId xmlns:p14="http://schemas.microsoft.com/office/powerpoint/2010/main" val="1091846901"/>
+      </p:ext>
+    </p:extLst>
+  </p:cSld>
+  <p:clrMapOvr>
+    <a:masterClrMapping/>
+  </p:clrMapOvr>
+</p:notes>
 </file>
 
 <file path=ppt/slideLayouts/slideLayout1.xml><?xml version="1.0" encoding="utf-8"?>
@@ -3276,7 +3893,7 @@
     </p:spTree>
     <p:extLst>
       <p:ext uri="{BB962C8B-B14F-4D97-AF65-F5344CB8AC3E}">
-        <p14:creationId xmlns:p14="http://schemas.microsoft.com/office/powerpoint/2010/main" val="326794958"/>
+        <p14:creationId xmlns:p14="http://schemas.microsoft.com/office/powerpoint/2010/main" val="1421884543"/>
       </p:ext>
     </p:extLst>
   </p:cSld>
@@ -3325,7 +3942,7 @@
     </p:spTree>
     <p:extLst>
       <p:ext uri="{BB962C8B-B14F-4D97-AF65-F5344CB8AC3E}">
-        <p14:creationId xmlns:p14="http://schemas.microsoft.com/office/powerpoint/2010/main" val="1814591370"/>
+        <p14:creationId xmlns:p14="http://schemas.microsoft.com/office/powerpoint/2010/main" val="3794259064"/>
       </p:ext>
     </p:extLst>
   </p:cSld>
@@ -3374,7 +3991,105 @@
     </p:spTree>
     <p:extLst>
       <p:ext uri="{BB962C8B-B14F-4D97-AF65-F5344CB8AC3E}">
-        <p14:creationId xmlns:p14="http://schemas.microsoft.com/office/powerpoint/2010/main" val="1421884543"/>
+        <p14:creationId xmlns:p14="http://schemas.microsoft.com/office/powerpoint/2010/main" val="1616637443"/>
+      </p:ext>
+    </p:extLst>
+  </p:cSld>
+  <p:clrMapOvr>
+    <a:masterClrMapping/>
+  </p:clrMapOvr>
+</p:sld>
+</file>
+
+<file path=ppt/slides/slide4.xml><?xml version="1.0" encoding="utf-8"?>
+<p:sld xmlns:a="http://schemas.openxmlformats.org/drawingml/2006/main" xmlns:r="http://schemas.openxmlformats.org/officeDocument/2006/relationships" xmlns:p="http://schemas.openxmlformats.org/presentationml/2006/main">
+  <p:cSld>
+    <p:spTree>
+      <p:nvGrpSpPr>
+        <p:cNvPr id="1" name=""/>
+        <p:cNvGrpSpPr/>
+        <p:nvPr/>
+      </p:nvGrpSpPr>
+      <p:grpSpPr>
+        <a:xfrm>
+          <a:off x="0" y="0"/>
+          <a:ext cx="0" cy="0"/>
+          <a:chOff x="0" y="0"/>
+          <a:chExt cx="0" cy="0"/>
+        </a:xfrm>
+      </p:grpSpPr>
+      <p:sp>
+        <p:nvSpPr>
+          <p:cNvPr id="2" name="Title 1"/>
+          <p:cNvSpPr>
+            <a:spLocks noGrp="1"/>
+          </p:cNvSpPr>
+          <p:nvPr>
+            <p:ph type="title"/>
+          </p:nvPr>
+        </p:nvSpPr>
+        <p:spPr/>
+        <p:txBody>
+          <a:bodyPr/>
+          <a:lstStyle/>
+          <a:p>
+            <a:endParaRPr lang="en-US"/>
+          </a:p>
+        </p:txBody>
+      </p:sp>
+    </p:spTree>
+    <p:extLst>
+      <p:ext uri="{BB962C8B-B14F-4D97-AF65-F5344CB8AC3E}">
+        <p14:creationId xmlns:p14="http://schemas.microsoft.com/office/powerpoint/2010/main" val="3507148157"/>
+      </p:ext>
+    </p:extLst>
+  </p:cSld>
+  <p:clrMapOvr>
+    <a:masterClrMapping/>
+  </p:clrMapOvr>
+</p:sld>
+</file>
+
+<file path=ppt/slides/slide5.xml><?xml version="1.0" encoding="utf-8"?>
+<p:sld xmlns:a="http://schemas.openxmlformats.org/drawingml/2006/main" xmlns:r="http://schemas.openxmlformats.org/officeDocument/2006/relationships" xmlns:p="http://schemas.openxmlformats.org/presentationml/2006/main">
+  <p:cSld>
+    <p:spTree>
+      <p:nvGrpSpPr>
+        <p:cNvPr id="1" name=""/>
+        <p:cNvGrpSpPr/>
+        <p:nvPr/>
+      </p:nvGrpSpPr>
+      <p:grpSpPr>
+        <a:xfrm>
+          <a:off x="0" y="0"/>
+          <a:ext cx="0" cy="0"/>
+          <a:chOff x="0" y="0"/>
+          <a:chExt cx="0" cy="0"/>
+        </a:xfrm>
+      </p:grpSpPr>
+      <p:sp>
+        <p:nvSpPr>
+          <p:cNvPr id="2" name="Title 1"/>
+          <p:cNvSpPr>
+            <a:spLocks noGrp="1"/>
+          </p:cNvSpPr>
+          <p:nvPr>
+            <p:ph type="title"/>
+          </p:nvPr>
+        </p:nvSpPr>
+        <p:spPr/>
+        <p:txBody>
+          <a:bodyPr/>
+          <a:lstStyle/>
+          <a:p>
+            <a:endParaRPr lang="en-US"/>
+          </a:p>
+        </p:txBody>
+      </p:sp>
+    </p:spTree>
+    <p:extLst>
+      <p:ext uri="{BB962C8B-B14F-4D97-AF65-F5344CB8AC3E}">
+        <p14:creationId xmlns:p14="http://schemas.microsoft.com/office/powerpoint/2010/main" val="2989097036"/>
       </p:ext>
     </p:extLst>
   </p:cSld>

--- a/tedxamstelveen-2019.pptx
+++ b/tedxamstelveen-2019.pptx
@@ -5,17 +5,19 @@
     <p:sldMasterId id="2147483684" r:id="rId1"/>
   </p:sldMasterIdLst>
   <p:notesMasterIdLst>
-    <p:notesMasterId r:id="rId7"/>
+    <p:notesMasterId r:id="rId9"/>
   </p:notesMasterIdLst>
   <p:handoutMasterIdLst>
-    <p:handoutMasterId r:id="rId8"/>
+    <p:handoutMasterId r:id="rId10"/>
   </p:handoutMasterIdLst>
   <p:sldIdLst>
-    <p:sldId id="260" r:id="rId2"/>
-    <p:sldId id="262" r:id="rId3"/>
-    <p:sldId id="263" r:id="rId4"/>
-    <p:sldId id="264" r:id="rId5"/>
-    <p:sldId id="261" r:id="rId6"/>
+    <p:sldId id="265" r:id="rId2"/>
+    <p:sldId id="266" r:id="rId3"/>
+    <p:sldId id="260" r:id="rId4"/>
+    <p:sldId id="262" r:id="rId5"/>
+    <p:sldId id="263" r:id="rId6"/>
+    <p:sldId id="264" r:id="rId7"/>
+    <p:sldId id="261" r:id="rId8"/>
   </p:sldIdLst>
   <p:sldSz cx="12192000" cy="6858000"/>
   <p:notesSz cx="6858000" cy="9144000"/>
@@ -204,7 +206,7 @@
           <a:p>
             <a:fld id="{15E150AF-FB20-7549-8EBD-91871A75589D}" type="datetimeFigureOut">
               <a:rPr lang="en-US" smtClean="0"/>
-              <a:t>2/6/19</a:t>
+              <a:t>3/17/19</a:t>
             </a:fld>
             <a:endParaRPr lang="en-US"/>
           </a:p>
@@ -369,7 +371,7 @@
           <a:p>
             <a:fld id="{38B8A568-4DDB-4D44-8804-F2D344CBA7D9}" type="datetimeFigureOut">
               <a:rPr lang="en-US" smtClean="0"/>
-              <a:t>2/6/19</a:t>
+              <a:t>3/17/19</a:t>
             </a:fld>
             <a:endParaRPr lang="en-US"/>
           </a:p>
@@ -740,7 +742,7 @@
           <a:p>
             <a:fld id="{E0FBD6F4-CD9B-584A-A34E-649C473A2777}" type="slidenum">
               <a:rPr lang="en-US" smtClean="0"/>
-              <a:t>1</a:t>
+              <a:t>3</a:t>
             </a:fld>
             <a:endParaRPr lang="en-US"/>
           </a:p>
@@ -863,7 +865,7 @@
           <a:p>
             <a:fld id="{E0FBD6F4-CD9B-584A-A34E-649C473A2777}" type="slidenum">
               <a:rPr lang="en-US" smtClean="0"/>
-              <a:t>2</a:t>
+              <a:t>4</a:t>
             </a:fld>
             <a:endParaRPr lang="en-US"/>
           </a:p>
@@ -986,7 +988,7 @@
           <a:p>
             <a:fld id="{E0FBD6F4-CD9B-584A-A34E-649C473A2777}" type="slidenum">
               <a:rPr lang="en-US" smtClean="0"/>
-              <a:t>3</a:t>
+              <a:t>5</a:t>
             </a:fld>
             <a:endParaRPr lang="en-US"/>
           </a:p>
@@ -1109,7 +1111,7 @@
           <a:p>
             <a:fld id="{E0FBD6F4-CD9B-584A-A34E-649C473A2777}" type="slidenum">
               <a:rPr lang="en-US" smtClean="0"/>
-              <a:t>4</a:t>
+              <a:t>6</a:t>
             </a:fld>
             <a:endParaRPr lang="en-US"/>
           </a:p>
@@ -1232,7 +1234,7 @@
           <a:p>
             <a:fld id="{E0FBD6F4-CD9B-584A-A34E-649C473A2777}" type="slidenum">
               <a:rPr lang="en-US" smtClean="0"/>
-              <a:t>5</a:t>
+              <a:t>7</a:t>
             </a:fld>
             <a:endParaRPr lang="en-US"/>
           </a:p>
@@ -1474,6 +1476,358 @@
 </file>
 
 <file path=ppt/slideLayouts/slideLayout10.xml><?xml version="1.0" encoding="utf-8"?>
+<p:sldLayout xmlns:a="http://schemas.openxmlformats.org/drawingml/2006/main" xmlns:r="http://schemas.openxmlformats.org/officeDocument/2006/relationships" xmlns:p="http://schemas.openxmlformats.org/presentationml/2006/main" type="twoTxTwoObj" preserve="1">
+  <p:cSld name="Comparison">
+    <p:spTree>
+      <p:nvGrpSpPr>
+        <p:cNvPr id="1" name=""/>
+        <p:cNvGrpSpPr/>
+        <p:nvPr/>
+      </p:nvGrpSpPr>
+      <p:grpSpPr>
+        <a:xfrm>
+          <a:off x="0" y="0"/>
+          <a:ext cx="0" cy="0"/>
+          <a:chOff x="0" y="0"/>
+          <a:chExt cx="0" cy="0"/>
+        </a:xfrm>
+      </p:grpSpPr>
+      <p:sp>
+        <p:nvSpPr>
+          <p:cNvPr id="2" name="Title 1"/>
+          <p:cNvSpPr>
+            <a:spLocks noGrp="1"/>
+          </p:cNvSpPr>
+          <p:nvPr>
+            <p:ph type="title"/>
+          </p:nvPr>
+        </p:nvSpPr>
+        <p:spPr>
+          <a:xfrm>
+            <a:off x="839788" y="365125"/>
+            <a:ext cx="10515600" cy="1325563"/>
+          </a:xfrm>
+          <a:prstGeom prst="rect">
+            <a:avLst/>
+          </a:prstGeom>
+        </p:spPr>
+        <p:txBody>
+          <a:bodyPr/>
+          <a:lstStyle/>
+          <a:p>
+            <a:r>
+              <a:rPr lang="en-US"/>
+              <a:t>Click to edit Master title style</a:t>
+            </a:r>
+          </a:p>
+        </p:txBody>
+      </p:sp>
+      <p:sp>
+        <p:nvSpPr>
+          <p:cNvPr id="3" name="Text Placeholder 2"/>
+          <p:cNvSpPr>
+            <a:spLocks noGrp="1"/>
+          </p:cNvSpPr>
+          <p:nvPr>
+            <p:ph type="body" idx="1"/>
+          </p:nvPr>
+        </p:nvSpPr>
+        <p:spPr>
+          <a:xfrm>
+            <a:off x="839788" y="1681163"/>
+            <a:ext cx="5157787" cy="823912"/>
+          </a:xfrm>
+        </p:spPr>
+        <p:txBody>
+          <a:bodyPr anchor="b"/>
+          <a:lstStyle>
+            <a:lvl1pPr marL="0" indent="0">
+              <a:buNone/>
+              <a:defRPr sz="2400" b="1"/>
+            </a:lvl1pPr>
+            <a:lvl2pPr marL="457200" indent="0">
+              <a:buNone/>
+              <a:defRPr sz="2000" b="1"/>
+            </a:lvl2pPr>
+            <a:lvl3pPr marL="914400" indent="0">
+              <a:buNone/>
+              <a:defRPr sz="1800" b="1"/>
+            </a:lvl3pPr>
+            <a:lvl4pPr marL="1371600" indent="0">
+              <a:buNone/>
+              <a:defRPr sz="1600" b="1"/>
+            </a:lvl4pPr>
+            <a:lvl5pPr marL="1828800" indent="0">
+              <a:buNone/>
+              <a:defRPr sz="1600" b="1"/>
+            </a:lvl5pPr>
+            <a:lvl6pPr marL="2286000" indent="0">
+              <a:buNone/>
+              <a:defRPr sz="1600" b="1"/>
+            </a:lvl6pPr>
+            <a:lvl7pPr marL="2743200" indent="0">
+              <a:buNone/>
+              <a:defRPr sz="1600" b="1"/>
+            </a:lvl7pPr>
+            <a:lvl8pPr marL="3200400" indent="0">
+              <a:buNone/>
+              <a:defRPr sz="1600" b="1"/>
+            </a:lvl8pPr>
+            <a:lvl9pPr marL="3657600" indent="0">
+              <a:buNone/>
+              <a:defRPr sz="1600" b="1"/>
+            </a:lvl9pPr>
+          </a:lstStyle>
+          <a:p>
+            <a:pPr lvl="0"/>
+            <a:r>
+              <a:rPr lang="en-US"/>
+              <a:t>Click to edit Master text styles</a:t>
+            </a:r>
+          </a:p>
+        </p:txBody>
+      </p:sp>
+      <p:sp>
+        <p:nvSpPr>
+          <p:cNvPr id="4" name="Content Placeholder 3"/>
+          <p:cNvSpPr>
+            <a:spLocks noGrp="1"/>
+          </p:cNvSpPr>
+          <p:nvPr>
+            <p:ph sz="half" idx="2"/>
+          </p:nvPr>
+        </p:nvSpPr>
+        <p:spPr>
+          <a:xfrm>
+            <a:off x="839788" y="2505075"/>
+            <a:ext cx="5157787" cy="3684588"/>
+          </a:xfrm>
+        </p:spPr>
+        <p:txBody>
+          <a:bodyPr/>
+          <a:lstStyle/>
+          <a:p>
+            <a:pPr lvl="0"/>
+            <a:r>
+              <a:rPr lang="en-US"/>
+              <a:t>Click to edit Master text styles</a:t>
+            </a:r>
+          </a:p>
+          <a:p>
+            <a:pPr lvl="1"/>
+            <a:r>
+              <a:rPr lang="en-US"/>
+              <a:t>Second level</a:t>
+            </a:r>
+          </a:p>
+          <a:p>
+            <a:pPr lvl="2"/>
+            <a:r>
+              <a:rPr lang="en-US"/>
+              <a:t>Third level</a:t>
+            </a:r>
+          </a:p>
+          <a:p>
+            <a:pPr lvl="3"/>
+            <a:r>
+              <a:rPr lang="en-US"/>
+              <a:t>Fourth level</a:t>
+            </a:r>
+          </a:p>
+          <a:p>
+            <a:pPr lvl="4"/>
+            <a:r>
+              <a:rPr lang="en-US"/>
+              <a:t>Fifth level</a:t>
+            </a:r>
+          </a:p>
+        </p:txBody>
+      </p:sp>
+      <p:sp>
+        <p:nvSpPr>
+          <p:cNvPr id="5" name="Text Placeholder 4"/>
+          <p:cNvSpPr>
+            <a:spLocks noGrp="1"/>
+          </p:cNvSpPr>
+          <p:nvPr>
+            <p:ph type="body" sz="quarter" idx="3"/>
+          </p:nvPr>
+        </p:nvSpPr>
+        <p:spPr>
+          <a:xfrm>
+            <a:off x="6172200" y="1681163"/>
+            <a:ext cx="5183188" cy="823912"/>
+          </a:xfrm>
+        </p:spPr>
+        <p:txBody>
+          <a:bodyPr anchor="b"/>
+          <a:lstStyle>
+            <a:lvl1pPr marL="0" indent="0">
+              <a:buNone/>
+              <a:defRPr sz="2400" b="1"/>
+            </a:lvl1pPr>
+            <a:lvl2pPr marL="457200" indent="0">
+              <a:buNone/>
+              <a:defRPr sz="2000" b="1"/>
+            </a:lvl2pPr>
+            <a:lvl3pPr marL="914400" indent="0">
+              <a:buNone/>
+              <a:defRPr sz="1800" b="1"/>
+            </a:lvl3pPr>
+            <a:lvl4pPr marL="1371600" indent="0">
+              <a:buNone/>
+              <a:defRPr sz="1600" b="1"/>
+            </a:lvl4pPr>
+            <a:lvl5pPr marL="1828800" indent="0">
+              <a:buNone/>
+              <a:defRPr sz="1600" b="1"/>
+            </a:lvl5pPr>
+            <a:lvl6pPr marL="2286000" indent="0">
+              <a:buNone/>
+              <a:defRPr sz="1600" b="1"/>
+            </a:lvl6pPr>
+            <a:lvl7pPr marL="2743200" indent="0">
+              <a:buNone/>
+              <a:defRPr sz="1600" b="1"/>
+            </a:lvl7pPr>
+            <a:lvl8pPr marL="3200400" indent="0">
+              <a:buNone/>
+              <a:defRPr sz="1600" b="1"/>
+            </a:lvl8pPr>
+            <a:lvl9pPr marL="3657600" indent="0">
+              <a:buNone/>
+              <a:defRPr sz="1600" b="1"/>
+            </a:lvl9pPr>
+          </a:lstStyle>
+          <a:p>
+            <a:pPr lvl="0"/>
+            <a:r>
+              <a:rPr lang="en-US"/>
+              <a:t>Click to edit Master text styles</a:t>
+            </a:r>
+          </a:p>
+        </p:txBody>
+      </p:sp>
+      <p:sp>
+        <p:nvSpPr>
+          <p:cNvPr id="6" name="Content Placeholder 5"/>
+          <p:cNvSpPr>
+            <a:spLocks noGrp="1"/>
+          </p:cNvSpPr>
+          <p:nvPr>
+            <p:ph sz="quarter" idx="4"/>
+          </p:nvPr>
+        </p:nvSpPr>
+        <p:spPr>
+          <a:xfrm>
+            <a:off x="6172200" y="2505075"/>
+            <a:ext cx="5183188" cy="3684588"/>
+          </a:xfrm>
+        </p:spPr>
+        <p:txBody>
+          <a:bodyPr/>
+          <a:lstStyle/>
+          <a:p>
+            <a:pPr lvl="0"/>
+            <a:r>
+              <a:rPr lang="en-US"/>
+              <a:t>Click to edit Master text styles</a:t>
+            </a:r>
+          </a:p>
+          <a:p>
+            <a:pPr lvl="1"/>
+            <a:r>
+              <a:rPr lang="en-US"/>
+              <a:t>Second level</a:t>
+            </a:r>
+          </a:p>
+          <a:p>
+            <a:pPr lvl="2"/>
+            <a:r>
+              <a:rPr lang="en-US"/>
+              <a:t>Third level</a:t>
+            </a:r>
+          </a:p>
+          <a:p>
+            <a:pPr lvl="3"/>
+            <a:r>
+              <a:rPr lang="en-US"/>
+              <a:t>Fourth level</a:t>
+            </a:r>
+          </a:p>
+          <a:p>
+            <a:pPr lvl="4"/>
+            <a:r>
+              <a:rPr lang="en-US"/>
+              <a:t>Fifth level</a:t>
+            </a:r>
+          </a:p>
+        </p:txBody>
+      </p:sp>
+    </p:spTree>
+  </p:cSld>
+  <p:clrMapOvr>
+    <a:masterClrMapping/>
+  </p:clrMapOvr>
+</p:sldLayout>
+</file>
+
+<file path=ppt/slideLayouts/slideLayout11.xml><?xml version="1.0" encoding="utf-8"?>
+<p:sldLayout xmlns:a="http://schemas.openxmlformats.org/drawingml/2006/main" xmlns:r="http://schemas.openxmlformats.org/officeDocument/2006/relationships" xmlns:p="http://schemas.openxmlformats.org/presentationml/2006/main" type="titleOnly" preserve="1">
+  <p:cSld name="Title Only">
+    <p:spTree>
+      <p:nvGrpSpPr>
+        <p:cNvPr id="1" name=""/>
+        <p:cNvGrpSpPr/>
+        <p:nvPr/>
+      </p:nvGrpSpPr>
+      <p:grpSpPr>
+        <a:xfrm>
+          <a:off x="0" y="0"/>
+          <a:ext cx="0" cy="0"/>
+          <a:chOff x="0" y="0"/>
+          <a:chExt cx="0" cy="0"/>
+        </a:xfrm>
+      </p:grpSpPr>
+      <p:sp>
+        <p:nvSpPr>
+          <p:cNvPr id="2" name="Title 1"/>
+          <p:cNvSpPr>
+            <a:spLocks noGrp="1"/>
+          </p:cNvSpPr>
+          <p:nvPr>
+            <p:ph type="title"/>
+          </p:nvPr>
+        </p:nvSpPr>
+        <p:spPr>
+          <a:xfrm>
+            <a:off x="838200" y="365125"/>
+            <a:ext cx="10515600" cy="1325563"/>
+          </a:xfrm>
+          <a:prstGeom prst="rect">
+            <a:avLst/>
+          </a:prstGeom>
+        </p:spPr>
+        <p:txBody>
+          <a:bodyPr/>
+          <a:lstStyle/>
+          <a:p>
+            <a:r>
+              <a:rPr lang="en-US"/>
+              <a:t>Click to edit Master title style</a:t>
+            </a:r>
+          </a:p>
+        </p:txBody>
+      </p:sp>
+    </p:spTree>
+  </p:cSld>
+  <p:clrMapOvr>
+    <a:masterClrMapping/>
+  </p:clrMapOvr>
+</p:sldLayout>
+</file>
+
+<file path=ppt/slideLayouts/slideLayout12.xml><?xml version="1.0" encoding="utf-8"?>
 <p:sldLayout xmlns:a="http://schemas.openxmlformats.org/drawingml/2006/main" xmlns:r="http://schemas.openxmlformats.org/officeDocument/2006/relationships" xmlns:p="http://schemas.openxmlformats.org/presentationml/2006/main" type="blank" preserve="1">
   <p:cSld name="Blank">
     <p:spTree>
@@ -1498,7 +1852,7 @@
 </p:sldLayout>
 </file>
 
-<file path=ppt/slideLayouts/slideLayout11.xml><?xml version="1.0" encoding="utf-8"?>
+<file path=ppt/slideLayouts/slideLayout13.xml><?xml version="1.0" encoding="utf-8"?>
 <p:sldLayout xmlns:a="http://schemas.openxmlformats.org/drawingml/2006/main" xmlns:r="http://schemas.openxmlformats.org/officeDocument/2006/relationships" xmlns:p="http://schemas.openxmlformats.org/presentationml/2006/main" type="objTx" preserve="1">
   <p:cSld name="Content with Caption">
     <p:spTree>
@@ -1706,7 +2060,7 @@
 </p:sldLayout>
 </file>
 
-<file path=ppt/slideLayouts/slideLayout12.xml><?xml version="1.0" encoding="utf-8"?>
+<file path=ppt/slideLayouts/slideLayout14.xml><?xml version="1.0" encoding="utf-8"?>
 <p:sldLayout xmlns:a="http://schemas.openxmlformats.org/drawingml/2006/main" xmlns:r="http://schemas.openxmlformats.org/officeDocument/2006/relationships" xmlns:p="http://schemas.openxmlformats.org/presentationml/2006/main" type="picTx" preserve="1">
   <p:cSld name="Picture with Caption">
     <p:spTree>
@@ -1894,7 +2248,7 @@
 </p:sldLayout>
 </file>
 
-<file path=ppt/slideLayouts/slideLayout13.xml><?xml version="1.0" encoding="utf-8"?>
+<file path=ppt/slideLayouts/slideLayout15.xml><?xml version="1.0" encoding="utf-8"?>
 <p:sldLayout xmlns:a="http://schemas.openxmlformats.org/drawingml/2006/main" xmlns:r="http://schemas.openxmlformats.org/officeDocument/2006/relationships" xmlns:p="http://schemas.openxmlformats.org/presentationml/2006/main" type="vertTx" preserve="1">
   <p:cSld name="Title and Vertical Text">
     <p:spTree>
@@ -2000,7 +2354,7 @@
 </p:sldLayout>
 </file>
 
-<file path=ppt/slideLayouts/slideLayout14.xml><?xml version="1.0" encoding="utf-8"?>
+<file path=ppt/slideLayouts/slideLayout16.xml><?xml version="1.0" encoding="utf-8"?>
 <p:sldLayout xmlns:a="http://schemas.openxmlformats.org/drawingml/2006/main" xmlns:r="http://schemas.openxmlformats.org/officeDocument/2006/relationships" xmlns:p="http://schemas.openxmlformats.org/presentationml/2006/main" type="vertTitleAndTx" preserve="1">
   <p:cSld name="Vertical Title and Text">
     <p:spTree>
@@ -2112,6 +2466,284 @@
 </file>
 
 <file path=ppt/slideLayouts/slideLayout2.xml><?xml version="1.0" encoding="utf-8"?>
+<p:sldLayout xmlns:a="http://schemas.openxmlformats.org/drawingml/2006/main" xmlns:r="http://schemas.openxmlformats.org/officeDocument/2006/relationships" xmlns:p="http://schemas.openxmlformats.org/presentationml/2006/main" preserve="1" userDrawn="1">
+  <p:cSld name="2_Custom Layout">
+    <p:spTree>
+      <p:nvGrpSpPr>
+        <p:cNvPr id="1" name=""/>
+        <p:cNvGrpSpPr/>
+        <p:nvPr/>
+      </p:nvGrpSpPr>
+      <p:grpSpPr>
+        <a:xfrm>
+          <a:off x="0" y="0"/>
+          <a:ext cx="0" cy="0"/>
+          <a:chOff x="0" y="0"/>
+          <a:chExt cx="0" cy="0"/>
+        </a:xfrm>
+      </p:grpSpPr>
+      <p:sp>
+        <p:nvSpPr>
+          <p:cNvPr id="6" name="Rectangle 5"/>
+          <p:cNvSpPr/>
+          <p:nvPr userDrawn="1"/>
+        </p:nvSpPr>
+        <p:spPr>
+          <a:xfrm rot="21078797">
+            <a:off x="-295009" y="-993763"/>
+            <a:ext cx="12567043" cy="2782667"/>
+          </a:xfrm>
+          <a:prstGeom prst="rect">
+            <a:avLst/>
+          </a:prstGeom>
+          <a:solidFill>
+            <a:schemeClr val="tx1"/>
+          </a:solidFill>
+          <a:ln>
+            <a:noFill/>
+          </a:ln>
+        </p:spPr>
+        <p:style>
+          <a:lnRef idx="2">
+            <a:schemeClr val="accent1">
+              <a:shade val="50000"/>
+            </a:schemeClr>
+          </a:lnRef>
+          <a:fillRef idx="1">
+            <a:schemeClr val="accent1"/>
+          </a:fillRef>
+          <a:effectRef idx="0">
+            <a:schemeClr val="accent1"/>
+          </a:effectRef>
+          <a:fontRef idx="minor">
+            <a:schemeClr val="lt1"/>
+          </a:fontRef>
+        </p:style>
+        <p:txBody>
+          <a:bodyPr rtlCol="0" anchor="ctr"/>
+          <a:lstStyle/>
+          <a:p>
+            <a:pPr algn="ctr"/>
+            <a:endParaRPr lang="en-US"/>
+          </a:p>
+        </p:txBody>
+      </p:sp>
+      <p:sp>
+        <p:nvSpPr>
+          <p:cNvPr id="8" name="Rectangle 7"/>
+          <p:cNvSpPr/>
+          <p:nvPr userDrawn="1"/>
+        </p:nvSpPr>
+        <p:spPr>
+          <a:xfrm>
+            <a:off x="0" y="6327648"/>
+            <a:ext cx="12192000" cy="530352"/>
+          </a:xfrm>
+          <a:prstGeom prst="rect">
+            <a:avLst/>
+          </a:prstGeom>
+          <a:solidFill>
+            <a:schemeClr val="tx1"/>
+          </a:solidFill>
+          <a:ln>
+            <a:noFill/>
+          </a:ln>
+        </p:spPr>
+        <p:style>
+          <a:lnRef idx="2">
+            <a:schemeClr val="accent1">
+              <a:shade val="50000"/>
+            </a:schemeClr>
+          </a:lnRef>
+          <a:fillRef idx="1">
+            <a:schemeClr val="accent1"/>
+          </a:fillRef>
+          <a:effectRef idx="0">
+            <a:schemeClr val="accent1"/>
+          </a:effectRef>
+          <a:fontRef idx="minor">
+            <a:schemeClr val="lt1"/>
+          </a:fontRef>
+        </p:style>
+        <p:txBody>
+          <a:bodyPr rtlCol="0" anchor="ctr"/>
+          <a:lstStyle/>
+          <a:p>
+            <a:pPr algn="ctr"/>
+            <a:endParaRPr lang="en-US"/>
+          </a:p>
+        </p:txBody>
+      </p:sp>
+      <p:pic>
+        <p:nvPicPr>
+          <p:cNvPr id="18" name="Picture 17"/>
+          <p:cNvPicPr>
+            <a:picLocks noChangeAspect="1"/>
+          </p:cNvPicPr>
+          <p:nvPr userDrawn="1"/>
+        </p:nvPicPr>
+        <p:blipFill>
+          <a:blip r:embed="rId2">
+            <a:extLst>
+              <a:ext uri="{28A0092B-C50C-407E-A947-70E740481C1C}">
+                <a14:useLocalDpi xmlns:a14="http://schemas.microsoft.com/office/drawing/2010/main" val="0"/>
+              </a:ext>
+            </a:extLst>
+          </a:blip>
+          <a:stretch>
+            <a:fillRect/>
+          </a:stretch>
+        </p:blipFill>
+        <p:spPr>
+          <a:xfrm rot="21073803">
+            <a:off x="880197" y="822158"/>
+            <a:ext cx="7403380" cy="1118589"/>
+          </a:xfrm>
+          <a:prstGeom prst="rect">
+            <a:avLst/>
+          </a:prstGeom>
+        </p:spPr>
+      </p:pic>
+    </p:spTree>
+    <p:extLst>
+      <p:ext uri="{BB962C8B-B14F-4D97-AF65-F5344CB8AC3E}">
+        <p14:creationId xmlns:p14="http://schemas.microsoft.com/office/powerpoint/2010/main" val="1318389888"/>
+      </p:ext>
+    </p:extLst>
+  </p:cSld>
+  <p:clrMapOvr>
+    <a:masterClrMapping/>
+  </p:clrMapOvr>
+</p:sldLayout>
+</file>
+
+<file path=ppt/slideLayouts/slideLayout3.xml><?xml version="1.0" encoding="utf-8"?>
+<p:sldLayout xmlns:a="http://schemas.openxmlformats.org/drawingml/2006/main" xmlns:r="http://schemas.openxmlformats.org/officeDocument/2006/relationships" xmlns:p="http://schemas.openxmlformats.org/presentationml/2006/main" preserve="1" userDrawn="1">
+  <p:cSld name="6_Custom Layout">
+    <p:bg>
+      <p:bgPr>
+        <a:solidFill>
+          <a:schemeClr val="bg1"/>
+        </a:solidFill>
+        <a:effectLst/>
+      </p:bgPr>
+    </p:bg>
+    <p:spTree>
+      <p:nvGrpSpPr>
+        <p:cNvPr id="1" name=""/>
+        <p:cNvGrpSpPr/>
+        <p:nvPr/>
+      </p:nvGrpSpPr>
+      <p:grpSpPr>
+        <a:xfrm>
+          <a:off x="0" y="0"/>
+          <a:ext cx="0" cy="0"/>
+          <a:chOff x="0" y="0"/>
+          <a:chExt cx="0" cy="0"/>
+        </a:xfrm>
+      </p:grpSpPr>
+      <p:sp>
+        <p:nvSpPr>
+          <p:cNvPr id="5" name="Rectangle 4">
+            <a:extLst>
+              <a:ext uri="{FF2B5EF4-FFF2-40B4-BE49-F238E27FC236}">
+                <a16:creationId xmlns:a16="http://schemas.microsoft.com/office/drawing/2014/main" id="{569FEC18-F626-E341-9788-43B24AD988E2}"/>
+              </a:ext>
+            </a:extLst>
+          </p:cNvPr>
+          <p:cNvSpPr/>
+          <p:nvPr userDrawn="1"/>
+        </p:nvSpPr>
+        <p:spPr>
+          <a:xfrm rot="21078797">
+            <a:off x="-295009" y="-993763"/>
+            <a:ext cx="12567043" cy="2782667"/>
+          </a:xfrm>
+          <a:prstGeom prst="rect">
+            <a:avLst/>
+          </a:prstGeom>
+          <a:solidFill>
+            <a:schemeClr val="tx1"/>
+          </a:solidFill>
+          <a:ln>
+            <a:noFill/>
+          </a:ln>
+        </p:spPr>
+        <p:style>
+          <a:lnRef idx="2">
+            <a:schemeClr val="accent1">
+              <a:shade val="50000"/>
+            </a:schemeClr>
+          </a:lnRef>
+          <a:fillRef idx="1">
+            <a:schemeClr val="accent1"/>
+          </a:fillRef>
+          <a:effectRef idx="0">
+            <a:schemeClr val="accent1"/>
+          </a:effectRef>
+          <a:fontRef idx="minor">
+            <a:schemeClr val="lt1"/>
+          </a:fontRef>
+        </p:style>
+        <p:txBody>
+          <a:bodyPr rtlCol="0" anchor="ctr"/>
+          <a:lstStyle/>
+          <a:p>
+            <a:pPr algn="ctr"/>
+            <a:endParaRPr lang="en-US"/>
+          </a:p>
+        </p:txBody>
+      </p:sp>
+      <p:pic>
+        <p:nvPicPr>
+          <p:cNvPr id="6" name="Picture 5">
+            <a:extLst>
+              <a:ext uri="{FF2B5EF4-FFF2-40B4-BE49-F238E27FC236}">
+                <a16:creationId xmlns:a16="http://schemas.microsoft.com/office/drawing/2014/main" id="{1CE34EEE-4C53-D244-A5F7-9396FAC1B347}"/>
+              </a:ext>
+            </a:extLst>
+          </p:cNvPr>
+          <p:cNvPicPr>
+            <a:picLocks noChangeAspect="1"/>
+          </p:cNvPicPr>
+          <p:nvPr userDrawn="1"/>
+        </p:nvPicPr>
+        <p:blipFill>
+          <a:blip r:embed="rId2">
+            <a:extLst>
+              <a:ext uri="{28A0092B-C50C-407E-A947-70E740481C1C}">
+                <a14:useLocalDpi xmlns:a14="http://schemas.microsoft.com/office/drawing/2010/main" val="0"/>
+              </a:ext>
+            </a:extLst>
+          </a:blip>
+          <a:stretch>
+            <a:fillRect/>
+          </a:stretch>
+        </p:blipFill>
+        <p:spPr>
+          <a:xfrm rot="21073803">
+            <a:off x="880197" y="822158"/>
+            <a:ext cx="7403380" cy="1118589"/>
+          </a:xfrm>
+          <a:prstGeom prst="rect">
+            <a:avLst/>
+          </a:prstGeom>
+        </p:spPr>
+      </p:pic>
+    </p:spTree>
+    <p:extLst>
+      <p:ext uri="{BB962C8B-B14F-4D97-AF65-F5344CB8AC3E}">
+        <p14:creationId xmlns:p14="http://schemas.microsoft.com/office/powerpoint/2010/main" val="4274264048"/>
+      </p:ext>
+    </p:extLst>
+  </p:cSld>
+  <p:clrMapOvr>
+    <a:masterClrMapping/>
+  </p:clrMapOvr>
+</p:sldLayout>
+</file>
+
+<file path=ppt/slideLayouts/slideLayout4.xml><?xml version="1.0" encoding="utf-8"?>
 <p:sldLayout xmlns:a="http://schemas.openxmlformats.org/drawingml/2006/main" xmlns:r="http://schemas.openxmlformats.org/officeDocument/2006/relationships" xmlns:p="http://schemas.openxmlformats.org/presentationml/2006/main" preserve="1" userDrawn="1">
   <p:cSld name="1_Custom Layout">
     <p:spTree>
@@ -2207,7 +2839,7 @@
 </p:sldLayout>
 </file>
 
-<file path=ppt/slideLayouts/slideLayout3.xml><?xml version="1.0" encoding="utf-8"?>
+<file path=ppt/slideLayouts/slideLayout5.xml><?xml version="1.0" encoding="utf-8"?>
 <p:sldLayout xmlns:a="http://schemas.openxmlformats.org/drawingml/2006/main" xmlns:r="http://schemas.openxmlformats.org/officeDocument/2006/relationships" xmlns:p="http://schemas.openxmlformats.org/presentationml/2006/main" preserve="1" userDrawn="1">
   <p:cSld name="5_Custom Layout">
     <p:bg>
@@ -2287,7 +2919,7 @@
 </p:sldLayout>
 </file>
 
-<file path=ppt/slideLayouts/slideLayout4.xml><?xml version="1.0" encoding="utf-8"?>
+<file path=ppt/slideLayouts/slideLayout6.xml><?xml version="1.0" encoding="utf-8"?>
 <p:sldLayout xmlns:a="http://schemas.openxmlformats.org/drawingml/2006/main" xmlns:r="http://schemas.openxmlformats.org/officeDocument/2006/relationships" xmlns:p="http://schemas.openxmlformats.org/presentationml/2006/main" type="title" preserve="1">
   <p:cSld name="Title Slide">
     <p:spTree>
@@ -2410,7 +3042,7 @@
 </p:sldLayout>
 </file>
 
-<file path=ppt/slideLayouts/slideLayout5.xml><?xml version="1.0" encoding="utf-8"?>
+<file path=ppt/slideLayouts/slideLayout7.xml><?xml version="1.0" encoding="utf-8"?>
 <p:sldLayout xmlns:a="http://schemas.openxmlformats.org/drawingml/2006/main" xmlns:r="http://schemas.openxmlformats.org/officeDocument/2006/relationships" xmlns:p="http://schemas.openxmlformats.org/presentationml/2006/main" type="obj" preserve="1">
   <p:cSld name="Title and Content">
     <p:spTree>
@@ -2516,7 +3148,7 @@
 </p:sldLayout>
 </file>
 
-<file path=ppt/slideLayouts/slideLayout6.xml><?xml version="1.0" encoding="utf-8"?>
+<file path=ppt/slideLayouts/slideLayout8.xml><?xml version="1.0" encoding="utf-8"?>
 <p:sldLayout xmlns:a="http://schemas.openxmlformats.org/drawingml/2006/main" xmlns:r="http://schemas.openxmlformats.org/officeDocument/2006/relationships" xmlns:p="http://schemas.openxmlformats.org/presentationml/2006/main" type="secHead" preserve="1">
   <p:cSld name="Section Header">
     <p:spTree>
@@ -2694,7 +3326,7 @@
 </p:sldLayout>
 </file>
 
-<file path=ppt/slideLayouts/slideLayout7.xml><?xml version="1.0" encoding="utf-8"?>
+<file path=ppt/slideLayouts/slideLayout9.xml><?xml version="1.0" encoding="utf-8"?>
 <p:sldLayout xmlns:a="http://schemas.openxmlformats.org/drawingml/2006/main" xmlns:r="http://schemas.openxmlformats.org/officeDocument/2006/relationships" xmlns:p="http://schemas.openxmlformats.org/presentationml/2006/main" type="twoObj" preserve="1">
   <p:cSld name="Two Content">
     <p:spTree>
@@ -2849,358 +3481,6 @@
             <a:r>
               <a:rPr lang="en-US"/>
               <a:t>Fifth level</a:t>
-            </a:r>
-          </a:p>
-        </p:txBody>
-      </p:sp>
-    </p:spTree>
-  </p:cSld>
-  <p:clrMapOvr>
-    <a:masterClrMapping/>
-  </p:clrMapOvr>
-</p:sldLayout>
-</file>
-
-<file path=ppt/slideLayouts/slideLayout8.xml><?xml version="1.0" encoding="utf-8"?>
-<p:sldLayout xmlns:a="http://schemas.openxmlformats.org/drawingml/2006/main" xmlns:r="http://schemas.openxmlformats.org/officeDocument/2006/relationships" xmlns:p="http://schemas.openxmlformats.org/presentationml/2006/main" type="twoTxTwoObj" preserve="1">
-  <p:cSld name="Comparison">
-    <p:spTree>
-      <p:nvGrpSpPr>
-        <p:cNvPr id="1" name=""/>
-        <p:cNvGrpSpPr/>
-        <p:nvPr/>
-      </p:nvGrpSpPr>
-      <p:grpSpPr>
-        <a:xfrm>
-          <a:off x="0" y="0"/>
-          <a:ext cx="0" cy="0"/>
-          <a:chOff x="0" y="0"/>
-          <a:chExt cx="0" cy="0"/>
-        </a:xfrm>
-      </p:grpSpPr>
-      <p:sp>
-        <p:nvSpPr>
-          <p:cNvPr id="2" name="Title 1"/>
-          <p:cNvSpPr>
-            <a:spLocks noGrp="1"/>
-          </p:cNvSpPr>
-          <p:nvPr>
-            <p:ph type="title"/>
-          </p:nvPr>
-        </p:nvSpPr>
-        <p:spPr>
-          <a:xfrm>
-            <a:off x="839788" y="365125"/>
-            <a:ext cx="10515600" cy="1325563"/>
-          </a:xfrm>
-          <a:prstGeom prst="rect">
-            <a:avLst/>
-          </a:prstGeom>
-        </p:spPr>
-        <p:txBody>
-          <a:bodyPr/>
-          <a:lstStyle/>
-          <a:p>
-            <a:r>
-              <a:rPr lang="en-US"/>
-              <a:t>Click to edit Master title style</a:t>
-            </a:r>
-          </a:p>
-        </p:txBody>
-      </p:sp>
-      <p:sp>
-        <p:nvSpPr>
-          <p:cNvPr id="3" name="Text Placeholder 2"/>
-          <p:cNvSpPr>
-            <a:spLocks noGrp="1"/>
-          </p:cNvSpPr>
-          <p:nvPr>
-            <p:ph type="body" idx="1"/>
-          </p:nvPr>
-        </p:nvSpPr>
-        <p:spPr>
-          <a:xfrm>
-            <a:off x="839788" y="1681163"/>
-            <a:ext cx="5157787" cy="823912"/>
-          </a:xfrm>
-        </p:spPr>
-        <p:txBody>
-          <a:bodyPr anchor="b"/>
-          <a:lstStyle>
-            <a:lvl1pPr marL="0" indent="0">
-              <a:buNone/>
-              <a:defRPr sz="2400" b="1"/>
-            </a:lvl1pPr>
-            <a:lvl2pPr marL="457200" indent="0">
-              <a:buNone/>
-              <a:defRPr sz="2000" b="1"/>
-            </a:lvl2pPr>
-            <a:lvl3pPr marL="914400" indent="0">
-              <a:buNone/>
-              <a:defRPr sz="1800" b="1"/>
-            </a:lvl3pPr>
-            <a:lvl4pPr marL="1371600" indent="0">
-              <a:buNone/>
-              <a:defRPr sz="1600" b="1"/>
-            </a:lvl4pPr>
-            <a:lvl5pPr marL="1828800" indent="0">
-              <a:buNone/>
-              <a:defRPr sz="1600" b="1"/>
-            </a:lvl5pPr>
-            <a:lvl6pPr marL="2286000" indent="0">
-              <a:buNone/>
-              <a:defRPr sz="1600" b="1"/>
-            </a:lvl6pPr>
-            <a:lvl7pPr marL="2743200" indent="0">
-              <a:buNone/>
-              <a:defRPr sz="1600" b="1"/>
-            </a:lvl7pPr>
-            <a:lvl8pPr marL="3200400" indent="0">
-              <a:buNone/>
-              <a:defRPr sz="1600" b="1"/>
-            </a:lvl8pPr>
-            <a:lvl9pPr marL="3657600" indent="0">
-              <a:buNone/>
-              <a:defRPr sz="1600" b="1"/>
-            </a:lvl9pPr>
-          </a:lstStyle>
-          <a:p>
-            <a:pPr lvl="0"/>
-            <a:r>
-              <a:rPr lang="en-US"/>
-              <a:t>Click to edit Master text styles</a:t>
-            </a:r>
-          </a:p>
-        </p:txBody>
-      </p:sp>
-      <p:sp>
-        <p:nvSpPr>
-          <p:cNvPr id="4" name="Content Placeholder 3"/>
-          <p:cNvSpPr>
-            <a:spLocks noGrp="1"/>
-          </p:cNvSpPr>
-          <p:nvPr>
-            <p:ph sz="half" idx="2"/>
-          </p:nvPr>
-        </p:nvSpPr>
-        <p:spPr>
-          <a:xfrm>
-            <a:off x="839788" y="2505075"/>
-            <a:ext cx="5157787" cy="3684588"/>
-          </a:xfrm>
-        </p:spPr>
-        <p:txBody>
-          <a:bodyPr/>
-          <a:lstStyle/>
-          <a:p>
-            <a:pPr lvl="0"/>
-            <a:r>
-              <a:rPr lang="en-US"/>
-              <a:t>Click to edit Master text styles</a:t>
-            </a:r>
-          </a:p>
-          <a:p>
-            <a:pPr lvl="1"/>
-            <a:r>
-              <a:rPr lang="en-US"/>
-              <a:t>Second level</a:t>
-            </a:r>
-          </a:p>
-          <a:p>
-            <a:pPr lvl="2"/>
-            <a:r>
-              <a:rPr lang="en-US"/>
-              <a:t>Third level</a:t>
-            </a:r>
-          </a:p>
-          <a:p>
-            <a:pPr lvl="3"/>
-            <a:r>
-              <a:rPr lang="en-US"/>
-              <a:t>Fourth level</a:t>
-            </a:r>
-          </a:p>
-          <a:p>
-            <a:pPr lvl="4"/>
-            <a:r>
-              <a:rPr lang="en-US"/>
-              <a:t>Fifth level</a:t>
-            </a:r>
-          </a:p>
-        </p:txBody>
-      </p:sp>
-      <p:sp>
-        <p:nvSpPr>
-          <p:cNvPr id="5" name="Text Placeholder 4"/>
-          <p:cNvSpPr>
-            <a:spLocks noGrp="1"/>
-          </p:cNvSpPr>
-          <p:nvPr>
-            <p:ph type="body" sz="quarter" idx="3"/>
-          </p:nvPr>
-        </p:nvSpPr>
-        <p:spPr>
-          <a:xfrm>
-            <a:off x="6172200" y="1681163"/>
-            <a:ext cx="5183188" cy="823912"/>
-          </a:xfrm>
-        </p:spPr>
-        <p:txBody>
-          <a:bodyPr anchor="b"/>
-          <a:lstStyle>
-            <a:lvl1pPr marL="0" indent="0">
-              <a:buNone/>
-              <a:defRPr sz="2400" b="1"/>
-            </a:lvl1pPr>
-            <a:lvl2pPr marL="457200" indent="0">
-              <a:buNone/>
-              <a:defRPr sz="2000" b="1"/>
-            </a:lvl2pPr>
-            <a:lvl3pPr marL="914400" indent="0">
-              <a:buNone/>
-              <a:defRPr sz="1800" b="1"/>
-            </a:lvl3pPr>
-            <a:lvl4pPr marL="1371600" indent="0">
-              <a:buNone/>
-              <a:defRPr sz="1600" b="1"/>
-            </a:lvl4pPr>
-            <a:lvl5pPr marL="1828800" indent="0">
-              <a:buNone/>
-              <a:defRPr sz="1600" b="1"/>
-            </a:lvl5pPr>
-            <a:lvl6pPr marL="2286000" indent="0">
-              <a:buNone/>
-              <a:defRPr sz="1600" b="1"/>
-            </a:lvl6pPr>
-            <a:lvl7pPr marL="2743200" indent="0">
-              <a:buNone/>
-              <a:defRPr sz="1600" b="1"/>
-            </a:lvl7pPr>
-            <a:lvl8pPr marL="3200400" indent="0">
-              <a:buNone/>
-              <a:defRPr sz="1600" b="1"/>
-            </a:lvl8pPr>
-            <a:lvl9pPr marL="3657600" indent="0">
-              <a:buNone/>
-              <a:defRPr sz="1600" b="1"/>
-            </a:lvl9pPr>
-          </a:lstStyle>
-          <a:p>
-            <a:pPr lvl="0"/>
-            <a:r>
-              <a:rPr lang="en-US"/>
-              <a:t>Click to edit Master text styles</a:t>
-            </a:r>
-          </a:p>
-        </p:txBody>
-      </p:sp>
-      <p:sp>
-        <p:nvSpPr>
-          <p:cNvPr id="6" name="Content Placeholder 5"/>
-          <p:cNvSpPr>
-            <a:spLocks noGrp="1"/>
-          </p:cNvSpPr>
-          <p:nvPr>
-            <p:ph sz="quarter" idx="4"/>
-          </p:nvPr>
-        </p:nvSpPr>
-        <p:spPr>
-          <a:xfrm>
-            <a:off x="6172200" y="2505075"/>
-            <a:ext cx="5183188" cy="3684588"/>
-          </a:xfrm>
-        </p:spPr>
-        <p:txBody>
-          <a:bodyPr/>
-          <a:lstStyle/>
-          <a:p>
-            <a:pPr lvl="0"/>
-            <a:r>
-              <a:rPr lang="en-US"/>
-              <a:t>Click to edit Master text styles</a:t>
-            </a:r>
-          </a:p>
-          <a:p>
-            <a:pPr lvl="1"/>
-            <a:r>
-              <a:rPr lang="en-US"/>
-              <a:t>Second level</a:t>
-            </a:r>
-          </a:p>
-          <a:p>
-            <a:pPr lvl="2"/>
-            <a:r>
-              <a:rPr lang="en-US"/>
-              <a:t>Third level</a:t>
-            </a:r>
-          </a:p>
-          <a:p>
-            <a:pPr lvl="3"/>
-            <a:r>
-              <a:rPr lang="en-US"/>
-              <a:t>Fourth level</a:t>
-            </a:r>
-          </a:p>
-          <a:p>
-            <a:pPr lvl="4"/>
-            <a:r>
-              <a:rPr lang="en-US"/>
-              <a:t>Fifth level</a:t>
-            </a:r>
-          </a:p>
-        </p:txBody>
-      </p:sp>
-    </p:spTree>
-  </p:cSld>
-  <p:clrMapOvr>
-    <a:masterClrMapping/>
-  </p:clrMapOvr>
-</p:sldLayout>
-</file>
-
-<file path=ppt/slideLayouts/slideLayout9.xml><?xml version="1.0" encoding="utf-8"?>
-<p:sldLayout xmlns:a="http://schemas.openxmlformats.org/drawingml/2006/main" xmlns:r="http://schemas.openxmlformats.org/officeDocument/2006/relationships" xmlns:p="http://schemas.openxmlformats.org/presentationml/2006/main" type="titleOnly" preserve="1">
-  <p:cSld name="Title Only">
-    <p:spTree>
-      <p:nvGrpSpPr>
-        <p:cNvPr id="1" name=""/>
-        <p:cNvGrpSpPr/>
-        <p:nvPr/>
-      </p:nvGrpSpPr>
-      <p:grpSpPr>
-        <a:xfrm>
-          <a:off x="0" y="0"/>
-          <a:ext cx="0" cy="0"/>
-          <a:chOff x="0" y="0"/>
-          <a:chExt cx="0" cy="0"/>
-        </a:xfrm>
-      </p:grpSpPr>
-      <p:sp>
-        <p:nvSpPr>
-          <p:cNvPr id="2" name="Title 1"/>
-          <p:cNvSpPr>
-            <a:spLocks noGrp="1"/>
-          </p:cNvSpPr>
-          <p:nvPr>
-            <p:ph type="title"/>
-          </p:nvPr>
-        </p:nvSpPr>
-        <p:spPr>
-          <a:xfrm>
-            <a:off x="838200" y="365125"/>
-            <a:ext cx="10515600" cy="1325563"/>
-          </a:xfrm>
-          <a:prstGeom prst="rect">
-            <a:avLst/>
-          </a:prstGeom>
-        </p:spPr>
-        <p:txBody>
-          <a:bodyPr/>
-          <a:lstStyle/>
-          <a:p>
-            <a:r>
-              <a:rPr lang="en-US"/>
-              <a:t>Click to edit Master title style</a:t>
             </a:r>
           </a:p>
         </p:txBody>
@@ -3352,7 +3632,7 @@
           <p:nvPr userDrawn="1"/>
         </p:nvPicPr>
         <p:blipFill>
-          <a:blip r:embed="rId16">
+          <a:blip r:embed="rId18">
             <a:extLst>
               <a:ext uri="{28A0092B-C50C-407E-A947-70E740481C1C}">
                 <a14:useLocalDpi xmlns:a14="http://schemas.microsoft.com/office/drawing/2010/main" val="0"/>
@@ -3496,7 +3776,7 @@
           <p:nvPr userDrawn="1"/>
         </p:nvPicPr>
         <p:blipFill>
-          <a:blip r:embed="rId17">
+          <a:blip r:embed="rId19">
             <a:extLst>
               <a:ext uri="{28A0092B-C50C-407E-A947-70E740481C1C}">
                 <a14:useLocalDpi xmlns:a14="http://schemas.microsoft.com/office/drawing/2010/main" val="0"/>
@@ -3526,7 +3806,7 @@
           <p:nvPr userDrawn="1"/>
         </p:nvPicPr>
         <p:blipFill>
-          <a:blip r:embed="rId18">
+          <a:blip r:embed="rId20">
             <a:extLst>
               <a:ext uri="{28A0092B-C50C-407E-A947-70E740481C1C}">
                 <a14:useLocalDpi xmlns:a14="http://schemas.microsoft.com/office/drawing/2010/main" val="0"/>
@@ -3557,19 +3837,21 @@
   <p:clrMap bg1="lt1" tx1="dk1" bg2="lt2" tx2="dk2" accent1="accent1" accent2="accent2" accent3="accent3" accent4="accent4" accent5="accent5" accent6="accent6" hlink="hlink" folHlink="folHlink"/>
   <p:sldLayoutIdLst>
     <p:sldLayoutId id="2147483696" r:id="rId1"/>
-    <p:sldLayoutId id="2147483697" r:id="rId2"/>
-    <p:sldLayoutId id="2147483701" r:id="rId3"/>
-    <p:sldLayoutId id="2147483685" r:id="rId4"/>
-    <p:sldLayoutId id="2147483686" r:id="rId5"/>
-    <p:sldLayoutId id="2147483687" r:id="rId6"/>
-    <p:sldLayoutId id="2147483688" r:id="rId7"/>
-    <p:sldLayoutId id="2147483689" r:id="rId8"/>
-    <p:sldLayoutId id="2147483690" r:id="rId9"/>
-    <p:sldLayoutId id="2147483691" r:id="rId10"/>
-    <p:sldLayoutId id="2147483692" r:id="rId11"/>
-    <p:sldLayoutId id="2147483693" r:id="rId12"/>
-    <p:sldLayoutId id="2147483694" r:id="rId13"/>
-    <p:sldLayoutId id="2147483695" r:id="rId14"/>
+    <p:sldLayoutId id="2147483702" r:id="rId2"/>
+    <p:sldLayoutId id="2147483703" r:id="rId3"/>
+    <p:sldLayoutId id="2147483697" r:id="rId4"/>
+    <p:sldLayoutId id="2147483701" r:id="rId5"/>
+    <p:sldLayoutId id="2147483685" r:id="rId6"/>
+    <p:sldLayoutId id="2147483686" r:id="rId7"/>
+    <p:sldLayoutId id="2147483687" r:id="rId8"/>
+    <p:sldLayoutId id="2147483688" r:id="rId9"/>
+    <p:sldLayoutId id="2147483689" r:id="rId10"/>
+    <p:sldLayoutId id="2147483690" r:id="rId11"/>
+    <p:sldLayoutId id="2147483691" r:id="rId12"/>
+    <p:sldLayoutId id="2147483692" r:id="rId13"/>
+    <p:sldLayoutId id="2147483693" r:id="rId14"/>
+    <p:sldLayoutId id="2147483694" r:id="rId15"/>
+    <p:sldLayoutId id="2147483695" r:id="rId16"/>
   </p:sldLayoutIdLst>
   <p:txStyles>
     <p:titleStyle>
@@ -3873,7 +4155,13 @@
       </p:grpSpPr>
       <p:sp>
         <p:nvSpPr>
-          <p:cNvPr id="2" name="Title 1"/>
+          <p:cNvPr id="2" name="Title 1">
+            <a:extLst>
+              <a:ext uri="{FF2B5EF4-FFF2-40B4-BE49-F238E27FC236}">
+                <a16:creationId xmlns:a16="http://schemas.microsoft.com/office/drawing/2014/main" id="{CA9E9F92-2A61-AC4D-9252-4153D5CC08CB}"/>
+              </a:ext>
+            </a:extLst>
+          </p:cNvPr>
           <p:cNvSpPr>
             <a:spLocks noGrp="1"/>
           </p:cNvSpPr>
@@ -3893,7 +4181,7 @@
     </p:spTree>
     <p:extLst>
       <p:ext uri="{BB962C8B-B14F-4D97-AF65-F5344CB8AC3E}">
-        <p14:creationId xmlns:p14="http://schemas.microsoft.com/office/powerpoint/2010/main" val="1421884543"/>
+        <p14:creationId xmlns:p14="http://schemas.microsoft.com/office/powerpoint/2010/main" val="869350138"/>
       </p:ext>
     </p:extLst>
   </p:cSld>
@@ -3922,7 +4210,13 @@
       </p:grpSpPr>
       <p:sp>
         <p:nvSpPr>
-          <p:cNvPr id="2" name="Title 1"/>
+          <p:cNvPr id="2" name="Title 1">
+            <a:extLst>
+              <a:ext uri="{FF2B5EF4-FFF2-40B4-BE49-F238E27FC236}">
+                <a16:creationId xmlns:a16="http://schemas.microsoft.com/office/drawing/2014/main" id="{70290C8E-C4EB-FD44-9832-4437B63C2248}"/>
+              </a:ext>
+            </a:extLst>
+          </p:cNvPr>
           <p:cNvSpPr>
             <a:spLocks noGrp="1"/>
           </p:cNvSpPr>
@@ -3942,7 +4236,7 @@
     </p:spTree>
     <p:extLst>
       <p:ext uri="{BB962C8B-B14F-4D97-AF65-F5344CB8AC3E}">
-        <p14:creationId xmlns:p14="http://schemas.microsoft.com/office/powerpoint/2010/main" val="3794259064"/>
+        <p14:creationId xmlns:p14="http://schemas.microsoft.com/office/powerpoint/2010/main" val="1023961237"/>
       </p:ext>
     </p:extLst>
   </p:cSld>
@@ -3991,7 +4285,7 @@
     </p:spTree>
     <p:extLst>
       <p:ext uri="{BB962C8B-B14F-4D97-AF65-F5344CB8AC3E}">
-        <p14:creationId xmlns:p14="http://schemas.microsoft.com/office/powerpoint/2010/main" val="1616637443"/>
+        <p14:creationId xmlns:p14="http://schemas.microsoft.com/office/powerpoint/2010/main" val="1421884543"/>
       </p:ext>
     </p:extLst>
   </p:cSld>
@@ -4040,6 +4334,104 @@
     </p:spTree>
     <p:extLst>
       <p:ext uri="{BB962C8B-B14F-4D97-AF65-F5344CB8AC3E}">
+        <p14:creationId xmlns:p14="http://schemas.microsoft.com/office/powerpoint/2010/main" val="3794259064"/>
+      </p:ext>
+    </p:extLst>
+  </p:cSld>
+  <p:clrMapOvr>
+    <a:masterClrMapping/>
+  </p:clrMapOvr>
+</p:sld>
+</file>
+
+<file path=ppt/slides/slide5.xml><?xml version="1.0" encoding="utf-8"?>
+<p:sld xmlns:a="http://schemas.openxmlformats.org/drawingml/2006/main" xmlns:r="http://schemas.openxmlformats.org/officeDocument/2006/relationships" xmlns:p="http://schemas.openxmlformats.org/presentationml/2006/main">
+  <p:cSld>
+    <p:spTree>
+      <p:nvGrpSpPr>
+        <p:cNvPr id="1" name=""/>
+        <p:cNvGrpSpPr/>
+        <p:nvPr/>
+      </p:nvGrpSpPr>
+      <p:grpSpPr>
+        <a:xfrm>
+          <a:off x="0" y="0"/>
+          <a:ext cx="0" cy="0"/>
+          <a:chOff x="0" y="0"/>
+          <a:chExt cx="0" cy="0"/>
+        </a:xfrm>
+      </p:grpSpPr>
+      <p:sp>
+        <p:nvSpPr>
+          <p:cNvPr id="2" name="Title 1"/>
+          <p:cNvSpPr>
+            <a:spLocks noGrp="1"/>
+          </p:cNvSpPr>
+          <p:nvPr>
+            <p:ph type="title"/>
+          </p:nvPr>
+        </p:nvSpPr>
+        <p:spPr/>
+        <p:txBody>
+          <a:bodyPr/>
+          <a:lstStyle/>
+          <a:p>
+            <a:endParaRPr lang="en-US"/>
+          </a:p>
+        </p:txBody>
+      </p:sp>
+    </p:spTree>
+    <p:extLst>
+      <p:ext uri="{BB962C8B-B14F-4D97-AF65-F5344CB8AC3E}">
+        <p14:creationId xmlns:p14="http://schemas.microsoft.com/office/powerpoint/2010/main" val="1616637443"/>
+      </p:ext>
+    </p:extLst>
+  </p:cSld>
+  <p:clrMapOvr>
+    <a:masterClrMapping/>
+  </p:clrMapOvr>
+</p:sld>
+</file>
+
+<file path=ppt/slides/slide6.xml><?xml version="1.0" encoding="utf-8"?>
+<p:sld xmlns:a="http://schemas.openxmlformats.org/drawingml/2006/main" xmlns:r="http://schemas.openxmlformats.org/officeDocument/2006/relationships" xmlns:p="http://schemas.openxmlformats.org/presentationml/2006/main">
+  <p:cSld>
+    <p:spTree>
+      <p:nvGrpSpPr>
+        <p:cNvPr id="1" name=""/>
+        <p:cNvGrpSpPr/>
+        <p:nvPr/>
+      </p:nvGrpSpPr>
+      <p:grpSpPr>
+        <a:xfrm>
+          <a:off x="0" y="0"/>
+          <a:ext cx="0" cy="0"/>
+          <a:chOff x="0" y="0"/>
+          <a:chExt cx="0" cy="0"/>
+        </a:xfrm>
+      </p:grpSpPr>
+      <p:sp>
+        <p:nvSpPr>
+          <p:cNvPr id="2" name="Title 1"/>
+          <p:cNvSpPr>
+            <a:spLocks noGrp="1"/>
+          </p:cNvSpPr>
+          <p:nvPr>
+            <p:ph type="title"/>
+          </p:nvPr>
+        </p:nvSpPr>
+        <p:spPr/>
+        <p:txBody>
+          <a:bodyPr/>
+          <a:lstStyle/>
+          <a:p>
+            <a:endParaRPr lang="en-US"/>
+          </a:p>
+        </p:txBody>
+      </p:sp>
+    </p:spTree>
+    <p:extLst>
+      <p:ext uri="{BB962C8B-B14F-4D97-AF65-F5344CB8AC3E}">
         <p14:creationId xmlns:p14="http://schemas.microsoft.com/office/powerpoint/2010/main" val="3507148157"/>
       </p:ext>
     </p:extLst>
@@ -4050,7 +4442,7 @@
 </p:sld>
 </file>
 
-<file path=ppt/slides/slide5.xml><?xml version="1.0" encoding="utf-8"?>
+<file path=ppt/slides/slide7.xml><?xml version="1.0" encoding="utf-8"?>
 <p:sld xmlns:a="http://schemas.openxmlformats.org/drawingml/2006/main" xmlns:r="http://schemas.openxmlformats.org/officeDocument/2006/relationships" xmlns:p="http://schemas.openxmlformats.org/presentationml/2006/main">
   <p:cSld>
     <p:spTree>
